--- a/ppt/1_进程.pptx
+++ b/ppt/1_进程.pptx
@@ -245,7 +245,7 @@
           <a:p>
             <a:fld id="{25239B2F-0F50-4DD2-AFF0-5AD65435FA39}" type="datetimeFigureOut">
               <a:rPr lang="zh-CN" altLang="en-US" smtClean="0"/>
-              <a:t>2024/03/03</a:t>
+              <a:t>2025/03/10</a:t>
             </a:fld>
             <a:endParaRPr lang="zh-CN" altLang="en-US"/>
           </a:p>
@@ -423,7 +423,7 @@
           <a:p>
             <a:fld id="{F3F10C42-C15F-4A21-90B7-1EA21CFD4452}" type="datetimeFigureOut">
               <a:rPr lang="zh-CN" altLang="en-US" smtClean="0"/>
-              <a:t>2024/03/03</a:t>
+              <a:t>2025/03/10</a:t>
             </a:fld>
             <a:endParaRPr lang="zh-CN" altLang="en-US"/>
           </a:p>
@@ -1022,7 +1022,7 @@
           <a:p>
             <a:fld id="{AE214366-5FB2-49C3-BB65-B979D2FAD098}" type="datetime1">
               <a:rPr lang="zh-CN" altLang="en-US" smtClean="0"/>
-              <a:t>2024/03/03</a:t>
+              <a:t>2025/03/10</a:t>
             </a:fld>
             <a:endParaRPr lang="zh-CN" altLang="en-US"/>
           </a:p>
@@ -1230,7 +1230,7 @@
           <a:p>
             <a:fld id="{04BC6C44-F673-46E9-8025-7385D4D32FDE}" type="datetime1">
               <a:rPr lang="zh-CN" altLang="en-US" smtClean="0"/>
-              <a:t>2024/03/03</a:t>
+              <a:t>2025/03/10</a:t>
             </a:fld>
             <a:endParaRPr lang="zh-CN" altLang="en-US"/>
           </a:p>
@@ -1778,7 +1778,7 @@
           <a:p>
             <a:fld id="{2B70573D-5408-47A7-B81F-E30CA5085A27}" type="datetime1">
               <a:rPr lang="zh-CN" altLang="en-US" smtClean="0"/>
-              <a:t>2024/03/03</a:t>
+              <a:t>2025/03/10</a:t>
             </a:fld>
             <a:endParaRPr lang="zh-CN" altLang="en-US"/>
           </a:p>
@@ -2043,7 +2043,7 @@
           <a:p>
             <a:fld id="{62468019-71FB-4D17-9B3C-F6A5314A34D2}" type="datetime1">
               <a:rPr lang="zh-CN" altLang="en-US" smtClean="0"/>
-              <a:t>2024/03/03</a:t>
+              <a:t>2025/03/10</a:t>
             </a:fld>
             <a:endParaRPr lang="zh-CN" altLang="en-US"/>
           </a:p>
@@ -2455,7 +2455,7 @@
           <a:p>
             <a:fld id="{4AB419BE-49FF-45D0-B257-7BC605413B3A}" type="datetime1">
               <a:rPr lang="zh-CN" altLang="en-US" smtClean="0"/>
-              <a:t>2024/03/03</a:t>
+              <a:t>2025/03/10</a:t>
             </a:fld>
             <a:endParaRPr lang="zh-CN" altLang="en-US"/>
           </a:p>
@@ -2596,7 +2596,7 @@
           <a:p>
             <a:fld id="{6319E9FC-0AA5-46B6-8E94-55EADC6DCFFF}" type="datetime1">
               <a:rPr lang="zh-CN" altLang="en-US" smtClean="0"/>
-              <a:t>2024/03/03</a:t>
+              <a:t>2025/03/10</a:t>
             </a:fld>
             <a:endParaRPr lang="zh-CN" altLang="en-US"/>
           </a:p>
@@ -2709,7 +2709,7 @@
           <a:p>
             <a:fld id="{FCFA6577-5736-496A-8F6D-C0BE13E9BEE0}" type="datetime1">
               <a:rPr lang="zh-CN" altLang="en-US" smtClean="0"/>
-              <a:t>2024/03/03</a:t>
+              <a:t>2025/03/10</a:t>
             </a:fld>
             <a:endParaRPr lang="zh-CN" altLang="en-US"/>
           </a:p>
@@ -3020,7 +3020,7 @@
           <a:p>
             <a:fld id="{10D62EDE-3CF3-4C9B-9666-764136C001DF}" type="datetime1">
               <a:rPr lang="zh-CN" altLang="en-US" smtClean="0"/>
-              <a:t>2024/03/03</a:t>
+              <a:t>2025/03/10</a:t>
             </a:fld>
             <a:endParaRPr lang="zh-CN" altLang="en-US"/>
           </a:p>
@@ -3308,7 +3308,7 @@
           <a:p>
             <a:fld id="{E31DF0E5-AB3E-4E91-8924-10EB10A38894}" type="datetime1">
               <a:rPr lang="zh-CN" altLang="en-US" smtClean="0"/>
-              <a:t>2024/03/03</a:t>
+              <a:t>2025/03/10</a:t>
             </a:fld>
             <a:endParaRPr lang="zh-CN" altLang="en-US"/>
           </a:p>
@@ -3549,7 +3549,7 @@
           <a:p>
             <a:fld id="{2E8DB3C8-7D21-4109-A2E4-E02A745546D7}" type="datetime1">
               <a:rPr lang="zh-CN" altLang="en-US" smtClean="0"/>
-              <a:t>2024/03/03</a:t>
+              <a:t>2025/03/10</a:t>
             </a:fld>
             <a:endParaRPr lang="zh-CN" altLang="en-US"/>
           </a:p>
@@ -4586,8 +4586,38 @@
         </p:blipFill>
         <p:spPr>
           <a:xfrm>
-            <a:off x="890034" y="3268095"/>
-            <a:ext cx="5334070" cy="3359504"/>
+            <a:off x="284221" y="3281917"/>
+            <a:ext cx="4456775" cy="2806966"/>
+          </a:xfrm>
+          <a:prstGeom prst="rect">
+            <a:avLst/>
+          </a:prstGeom>
+        </p:spPr>
+      </p:pic>
+      <p:pic>
+        <p:nvPicPr>
+          <p:cNvPr id="7" name="图片 6">
+            <a:extLst>
+              <a:ext uri="{FF2B5EF4-FFF2-40B4-BE49-F238E27FC236}">
+                <a16:creationId xmlns:a16="http://schemas.microsoft.com/office/drawing/2014/main" id="{94A2EC48-265D-0EA7-2FF1-D70ECFE1BAF8}"/>
+              </a:ext>
+            </a:extLst>
+          </p:cNvPr>
+          <p:cNvPicPr>
+            <a:picLocks noChangeAspect="1"/>
+          </p:cNvPicPr>
+          <p:nvPr/>
+        </p:nvPicPr>
+        <p:blipFill>
+          <a:blip r:embed="rId3"/>
+          <a:stretch>
+            <a:fillRect/>
+          </a:stretch>
+        </p:blipFill>
+        <p:spPr>
+          <a:xfrm>
+            <a:off x="4649419" y="3428999"/>
+            <a:ext cx="7441476" cy="2503967"/>
           </a:xfrm>
           <a:prstGeom prst="rect">
             <a:avLst/>
@@ -8952,6 +8982,36 @@
           </a:p>
         </p:txBody>
       </p:sp>
+      <p:pic>
+        <p:nvPicPr>
+          <p:cNvPr id="7" name="图片 6">
+            <a:extLst>
+              <a:ext uri="{FF2B5EF4-FFF2-40B4-BE49-F238E27FC236}">
+                <a16:creationId xmlns:a16="http://schemas.microsoft.com/office/drawing/2014/main" id="{6AA3C06E-7D64-80FF-E159-7E22D016439D}"/>
+              </a:ext>
+            </a:extLst>
+          </p:cNvPr>
+          <p:cNvPicPr>
+            <a:picLocks noChangeAspect="1"/>
+          </p:cNvPicPr>
+          <p:nvPr/>
+        </p:nvPicPr>
+        <p:blipFill>
+          <a:blip r:embed="rId3"/>
+          <a:stretch>
+            <a:fillRect/>
+          </a:stretch>
+        </p:blipFill>
+        <p:spPr>
+          <a:xfrm>
+            <a:off x="7177365" y="537651"/>
+            <a:ext cx="4550809" cy="6121115"/>
+          </a:xfrm>
+          <a:prstGeom prst="rect">
+            <a:avLst/>
+          </a:prstGeom>
+        </p:spPr>
+      </p:pic>
     </p:spTree>
     <p:extLst>
       <p:ext uri="{BB962C8B-B14F-4D97-AF65-F5344CB8AC3E}">

--- a/ppt/1_进程.pptx
+++ b/ppt/1_进程.pptx
@@ -245,7 +245,7 @@
           <a:p>
             <a:fld id="{25239B2F-0F50-4DD2-AFF0-5AD65435FA39}" type="datetimeFigureOut">
               <a:rPr lang="zh-CN" altLang="en-US" smtClean="0"/>
-              <a:t>2025/03/10</a:t>
+              <a:t>2025/3/11</a:t>
             </a:fld>
             <a:endParaRPr lang="zh-CN" altLang="en-US"/>
           </a:p>
@@ -423,7 +423,7 @@
           <a:p>
             <a:fld id="{F3F10C42-C15F-4A21-90B7-1EA21CFD4452}" type="datetimeFigureOut">
               <a:rPr lang="zh-CN" altLang="en-US" smtClean="0"/>
-              <a:t>2025/03/10</a:t>
+              <a:t>2025/3/11</a:t>
             </a:fld>
             <a:endParaRPr lang="zh-CN" altLang="en-US"/>
           </a:p>
@@ -1022,7 +1022,7 @@
           <a:p>
             <a:fld id="{AE214366-5FB2-49C3-BB65-B979D2FAD098}" type="datetime1">
               <a:rPr lang="zh-CN" altLang="en-US" smtClean="0"/>
-              <a:t>2025/03/10</a:t>
+              <a:t>2025/3/11</a:t>
             </a:fld>
             <a:endParaRPr lang="zh-CN" altLang="en-US"/>
           </a:p>
@@ -1230,7 +1230,7 @@
           <a:p>
             <a:fld id="{04BC6C44-F673-46E9-8025-7385D4D32FDE}" type="datetime1">
               <a:rPr lang="zh-CN" altLang="en-US" smtClean="0"/>
-              <a:t>2025/03/10</a:t>
+              <a:t>2025/3/11</a:t>
             </a:fld>
             <a:endParaRPr lang="zh-CN" altLang="en-US"/>
           </a:p>
@@ -1778,7 +1778,7 @@
           <a:p>
             <a:fld id="{2B70573D-5408-47A7-B81F-E30CA5085A27}" type="datetime1">
               <a:rPr lang="zh-CN" altLang="en-US" smtClean="0"/>
-              <a:t>2025/03/10</a:t>
+              <a:t>2025/3/11</a:t>
             </a:fld>
             <a:endParaRPr lang="zh-CN" altLang="en-US"/>
           </a:p>
@@ -2043,7 +2043,7 @@
           <a:p>
             <a:fld id="{62468019-71FB-4D17-9B3C-F6A5314A34D2}" type="datetime1">
               <a:rPr lang="zh-CN" altLang="en-US" smtClean="0"/>
-              <a:t>2025/03/10</a:t>
+              <a:t>2025/3/11</a:t>
             </a:fld>
             <a:endParaRPr lang="zh-CN" altLang="en-US"/>
           </a:p>
@@ -2455,7 +2455,7 @@
           <a:p>
             <a:fld id="{4AB419BE-49FF-45D0-B257-7BC605413B3A}" type="datetime1">
               <a:rPr lang="zh-CN" altLang="en-US" smtClean="0"/>
-              <a:t>2025/03/10</a:t>
+              <a:t>2025/3/11</a:t>
             </a:fld>
             <a:endParaRPr lang="zh-CN" altLang="en-US"/>
           </a:p>
@@ -2596,7 +2596,7 @@
           <a:p>
             <a:fld id="{6319E9FC-0AA5-46B6-8E94-55EADC6DCFFF}" type="datetime1">
               <a:rPr lang="zh-CN" altLang="en-US" smtClean="0"/>
-              <a:t>2025/03/10</a:t>
+              <a:t>2025/3/11</a:t>
             </a:fld>
             <a:endParaRPr lang="zh-CN" altLang="en-US"/>
           </a:p>
@@ -2709,7 +2709,7 @@
           <a:p>
             <a:fld id="{FCFA6577-5736-496A-8F6D-C0BE13E9BEE0}" type="datetime1">
               <a:rPr lang="zh-CN" altLang="en-US" smtClean="0"/>
-              <a:t>2025/03/10</a:t>
+              <a:t>2025/3/11</a:t>
             </a:fld>
             <a:endParaRPr lang="zh-CN" altLang="en-US"/>
           </a:p>
@@ -3020,7 +3020,7 @@
           <a:p>
             <a:fld id="{10D62EDE-3CF3-4C9B-9666-764136C001DF}" type="datetime1">
               <a:rPr lang="zh-CN" altLang="en-US" smtClean="0"/>
-              <a:t>2025/03/10</a:t>
+              <a:t>2025/3/11</a:t>
             </a:fld>
             <a:endParaRPr lang="zh-CN" altLang="en-US"/>
           </a:p>
@@ -3308,7 +3308,7 @@
           <a:p>
             <a:fld id="{E31DF0E5-AB3E-4E91-8924-10EB10A38894}" type="datetime1">
               <a:rPr lang="zh-CN" altLang="en-US" smtClean="0"/>
-              <a:t>2025/03/10</a:t>
+              <a:t>2025/3/11</a:t>
             </a:fld>
             <a:endParaRPr lang="zh-CN" altLang="en-US"/>
           </a:p>
@@ -3549,7 +3549,7 @@
           <a:p>
             <a:fld id="{2E8DB3C8-7D21-4109-A2E4-E02A745546D7}" type="datetime1">
               <a:rPr lang="zh-CN" altLang="en-US" smtClean="0"/>
-              <a:t>2025/03/10</a:t>
+              <a:t>2025/3/11</a:t>
             </a:fld>
             <a:endParaRPr lang="zh-CN" altLang="en-US"/>
           </a:p>

--- a/ppt/1_进程.pptx
+++ b/ppt/1_进程.pptx
@@ -5,10 +5,10 @@
     <p:sldMasterId id="2147483648" r:id="rId1"/>
   </p:sldMasterIdLst>
   <p:notesMasterIdLst>
-    <p:notesMasterId r:id="rId33"/>
+    <p:notesMasterId r:id="rId36"/>
   </p:notesMasterIdLst>
   <p:handoutMasterIdLst>
-    <p:handoutMasterId r:id="rId34"/>
+    <p:handoutMasterId r:id="rId37"/>
   </p:handoutMasterIdLst>
   <p:sldIdLst>
     <p:sldId id="256" r:id="rId2"/>
@@ -42,6 +42,9 @@
     <p:sldId id="283" r:id="rId30"/>
     <p:sldId id="284" r:id="rId31"/>
     <p:sldId id="285" r:id="rId32"/>
+    <p:sldId id="287" r:id="rId33"/>
+    <p:sldId id="288" r:id="rId34"/>
+    <p:sldId id="289" r:id="rId35"/>
   </p:sldIdLst>
   <p:sldSz cx="12192000" cy="6858000"/>
   <p:notesSz cx="6858000" cy="9144000"/>
@@ -245,7 +248,7 @@
           <a:p>
             <a:fld id="{25239B2F-0F50-4DD2-AFF0-5AD65435FA39}" type="datetimeFigureOut">
               <a:rPr lang="zh-CN" altLang="en-US" smtClean="0"/>
-              <a:t>2025/3/11</a:t>
+              <a:t>2025/03/12</a:t>
             </a:fld>
             <a:endParaRPr lang="zh-CN" altLang="en-US"/>
           </a:p>
@@ -423,7 +426,7 @@
           <a:p>
             <a:fld id="{F3F10C42-C15F-4A21-90B7-1EA21CFD4452}" type="datetimeFigureOut">
               <a:rPr lang="zh-CN" altLang="en-US" smtClean="0"/>
-              <a:t>2025/3/11</a:t>
+              <a:t>2025/03/12</a:t>
             </a:fld>
             <a:endParaRPr lang="zh-CN" altLang="en-US"/>
           </a:p>
@@ -1022,7 +1025,7 @@
           <a:p>
             <a:fld id="{AE214366-5FB2-49C3-BB65-B979D2FAD098}" type="datetime1">
               <a:rPr lang="zh-CN" altLang="en-US" smtClean="0"/>
-              <a:t>2025/3/11</a:t>
+              <a:t>2025/03/12</a:t>
             </a:fld>
             <a:endParaRPr lang="zh-CN" altLang="en-US"/>
           </a:p>
@@ -1230,7 +1233,7 @@
           <a:p>
             <a:fld id="{04BC6C44-F673-46E9-8025-7385D4D32FDE}" type="datetime1">
               <a:rPr lang="zh-CN" altLang="en-US" smtClean="0"/>
-              <a:t>2025/3/11</a:t>
+              <a:t>2025/03/12</a:t>
             </a:fld>
             <a:endParaRPr lang="zh-CN" altLang="en-US"/>
           </a:p>
@@ -1778,7 +1781,7 @@
           <a:p>
             <a:fld id="{2B70573D-5408-47A7-B81F-E30CA5085A27}" type="datetime1">
               <a:rPr lang="zh-CN" altLang="en-US" smtClean="0"/>
-              <a:t>2025/3/11</a:t>
+              <a:t>2025/03/12</a:t>
             </a:fld>
             <a:endParaRPr lang="zh-CN" altLang="en-US"/>
           </a:p>
@@ -2043,7 +2046,7 @@
           <a:p>
             <a:fld id="{62468019-71FB-4D17-9B3C-F6A5314A34D2}" type="datetime1">
               <a:rPr lang="zh-CN" altLang="en-US" smtClean="0"/>
-              <a:t>2025/3/11</a:t>
+              <a:t>2025/03/12</a:t>
             </a:fld>
             <a:endParaRPr lang="zh-CN" altLang="en-US"/>
           </a:p>
@@ -2455,7 +2458,7 @@
           <a:p>
             <a:fld id="{4AB419BE-49FF-45D0-B257-7BC605413B3A}" type="datetime1">
               <a:rPr lang="zh-CN" altLang="en-US" smtClean="0"/>
-              <a:t>2025/3/11</a:t>
+              <a:t>2025/03/12</a:t>
             </a:fld>
             <a:endParaRPr lang="zh-CN" altLang="en-US"/>
           </a:p>
@@ -2596,7 +2599,7 @@
           <a:p>
             <a:fld id="{6319E9FC-0AA5-46B6-8E94-55EADC6DCFFF}" type="datetime1">
               <a:rPr lang="zh-CN" altLang="en-US" smtClean="0"/>
-              <a:t>2025/3/11</a:t>
+              <a:t>2025/03/12</a:t>
             </a:fld>
             <a:endParaRPr lang="zh-CN" altLang="en-US"/>
           </a:p>
@@ -2709,7 +2712,7 @@
           <a:p>
             <a:fld id="{FCFA6577-5736-496A-8F6D-C0BE13E9BEE0}" type="datetime1">
               <a:rPr lang="zh-CN" altLang="en-US" smtClean="0"/>
-              <a:t>2025/3/11</a:t>
+              <a:t>2025/03/12</a:t>
             </a:fld>
             <a:endParaRPr lang="zh-CN" altLang="en-US"/>
           </a:p>
@@ -3020,7 +3023,7 @@
           <a:p>
             <a:fld id="{10D62EDE-3CF3-4C9B-9666-764136C001DF}" type="datetime1">
               <a:rPr lang="zh-CN" altLang="en-US" smtClean="0"/>
-              <a:t>2025/3/11</a:t>
+              <a:t>2025/03/12</a:t>
             </a:fld>
             <a:endParaRPr lang="zh-CN" altLang="en-US"/>
           </a:p>
@@ -3308,7 +3311,7 @@
           <a:p>
             <a:fld id="{E31DF0E5-AB3E-4E91-8924-10EB10A38894}" type="datetime1">
               <a:rPr lang="zh-CN" altLang="en-US" smtClean="0"/>
-              <a:t>2025/3/11</a:t>
+              <a:t>2025/03/12</a:t>
             </a:fld>
             <a:endParaRPr lang="zh-CN" altLang="en-US"/>
           </a:p>
@@ -3549,7 +3552,7 @@
           <a:p>
             <a:fld id="{2E8DB3C8-7D21-4109-A2E4-E02A745546D7}" type="datetime1">
               <a:rPr lang="zh-CN" altLang="en-US" smtClean="0"/>
-              <a:t>2025/3/11</a:t>
+              <a:t>2025/03/12</a:t>
             </a:fld>
             <a:endParaRPr lang="zh-CN" altLang="en-US"/>
           </a:p>
@@ -9319,6 +9322,541 @@
     <p:extLst>
       <p:ext uri="{BB962C8B-B14F-4D97-AF65-F5344CB8AC3E}">
         <p14:creationId xmlns:p14="http://schemas.microsoft.com/office/powerpoint/2010/main" val="15665267"/>
+      </p:ext>
+    </p:extLst>
+  </p:cSld>
+  <p:clrMapOvr>
+    <a:masterClrMapping/>
+  </p:clrMapOvr>
+</p:sld>
+</file>
+
+<file path=ppt/slides/slide32.xml><?xml version="1.0" encoding="utf-8"?>
+<p:sld xmlns:a="http://schemas.openxmlformats.org/drawingml/2006/main" xmlns:r="http://schemas.openxmlformats.org/officeDocument/2006/relationships" xmlns:p="http://schemas.openxmlformats.org/presentationml/2006/main">
+  <p:cSld>
+    <p:spTree>
+      <p:nvGrpSpPr>
+        <p:cNvPr id="1" name=""/>
+        <p:cNvGrpSpPr/>
+        <p:nvPr/>
+      </p:nvGrpSpPr>
+      <p:grpSpPr>
+        <a:xfrm>
+          <a:off x="0" y="0"/>
+          <a:ext cx="0" cy="0"/>
+          <a:chOff x="0" y="0"/>
+          <a:chExt cx="0" cy="0"/>
+        </a:xfrm>
+      </p:grpSpPr>
+      <p:sp>
+        <p:nvSpPr>
+          <p:cNvPr id="2" name="标题 1">
+            <a:extLst>
+              <a:ext uri="{FF2B5EF4-FFF2-40B4-BE49-F238E27FC236}">
+                <a16:creationId xmlns:a16="http://schemas.microsoft.com/office/drawing/2014/main" id="{2E402276-9DD1-E0CF-584E-FB1314DCDBCE}"/>
+              </a:ext>
+            </a:extLst>
+          </p:cNvPr>
+          <p:cNvSpPr>
+            <a:spLocks noGrp="1"/>
+          </p:cNvSpPr>
+          <p:nvPr>
+            <p:ph type="title"/>
+          </p:nvPr>
+        </p:nvSpPr>
+        <p:spPr/>
+        <p:txBody>
+          <a:bodyPr/>
+          <a:lstStyle/>
+          <a:p>
+            <a:r>
+              <a:rPr lang="en-US" altLang="zh-CN" dirty="0"/>
+              <a:t>【</a:t>
+            </a:r>
+            <a:r>
+              <a:rPr lang="zh-CN" altLang="en-US" dirty="0"/>
+              <a:t>补充</a:t>
+            </a:r>
+            <a:r>
+              <a:rPr lang="en-US" altLang="zh-CN" dirty="0"/>
+              <a:t>】xv6</a:t>
+            </a:r>
+            <a:r>
+              <a:rPr lang="zh-CN" altLang="en-US" dirty="0"/>
+              <a:t>中进程相关数据结构</a:t>
+            </a:r>
+          </a:p>
+        </p:txBody>
+      </p:sp>
+      <p:sp>
+        <p:nvSpPr>
+          <p:cNvPr id="3" name="内容占位符 2">
+            <a:extLst>
+              <a:ext uri="{FF2B5EF4-FFF2-40B4-BE49-F238E27FC236}">
+                <a16:creationId xmlns:a16="http://schemas.microsoft.com/office/drawing/2014/main" id="{065B71E1-5521-8143-795A-A7C7F73E0304}"/>
+              </a:ext>
+            </a:extLst>
+          </p:cNvPr>
+          <p:cNvSpPr>
+            <a:spLocks noGrp="1"/>
+          </p:cNvSpPr>
+          <p:nvPr>
+            <p:ph idx="1"/>
+          </p:nvPr>
+        </p:nvSpPr>
+        <p:spPr/>
+        <p:txBody>
+          <a:bodyPr/>
+          <a:lstStyle/>
+          <a:p>
+            <a:r>
+              <a:rPr lang="en-US" altLang="zh-CN" dirty="0"/>
+              <a:t>struct context</a:t>
+            </a:r>
+            <a:r>
+              <a:rPr lang="zh-CN" altLang="en-US" dirty="0"/>
+              <a:t>表示进程上下文的结构体（</a:t>
+            </a:r>
+            <a:r>
+              <a:rPr lang="en-US" altLang="zh-CN" dirty="0" err="1"/>
+              <a:t>proc.h</a:t>
+            </a:r>
+            <a:r>
+              <a:rPr lang="zh-CN" altLang="en-US" dirty="0"/>
+              <a:t>）</a:t>
+            </a:r>
+          </a:p>
+        </p:txBody>
+      </p:sp>
+      <p:sp>
+        <p:nvSpPr>
+          <p:cNvPr id="4" name="灯片编号占位符 3">
+            <a:extLst>
+              <a:ext uri="{FF2B5EF4-FFF2-40B4-BE49-F238E27FC236}">
+                <a16:creationId xmlns:a16="http://schemas.microsoft.com/office/drawing/2014/main" id="{4F18A61A-BFA5-329F-7EB5-83A6BC4A5A34}"/>
+              </a:ext>
+            </a:extLst>
+          </p:cNvPr>
+          <p:cNvSpPr>
+            <a:spLocks noGrp="1"/>
+          </p:cNvSpPr>
+          <p:nvPr>
+            <p:ph type="sldNum" sz="quarter" idx="12"/>
+          </p:nvPr>
+        </p:nvSpPr>
+        <p:spPr/>
+        <p:txBody>
+          <a:bodyPr/>
+          <a:lstStyle/>
+          <a:p>
+            <a:r>
+              <a:rPr lang="zh-CN" altLang="en-US"/>
+              <a:t>计算机操作系统                     </a:t>
+            </a:r>
+            <a:fld id="{2109AC4C-C6B9-4211-8A17-43C623583010}" type="slidenum">
+              <a:rPr lang="zh-CN" altLang="en-US" smtClean="0"/>
+              <a:pPr/>
+              <a:t>32</a:t>
+            </a:fld>
+            <a:r>
+              <a:rPr lang="en-US" altLang="zh-CN"/>
+              <a:t>/100</a:t>
+            </a:r>
+            <a:endParaRPr lang="zh-CN" altLang="en-US" dirty="0"/>
+          </a:p>
+        </p:txBody>
+      </p:sp>
+      <p:pic>
+        <p:nvPicPr>
+          <p:cNvPr id="6" name="图片 5">
+            <a:extLst>
+              <a:ext uri="{FF2B5EF4-FFF2-40B4-BE49-F238E27FC236}">
+                <a16:creationId xmlns:a16="http://schemas.microsoft.com/office/drawing/2014/main" id="{D2D43D05-7B62-0EBE-D1A5-C4ACBBC8A37E}"/>
+              </a:ext>
+            </a:extLst>
+          </p:cNvPr>
+          <p:cNvPicPr>
+            <a:picLocks noChangeAspect="1"/>
+          </p:cNvPicPr>
+          <p:nvPr/>
+        </p:nvPicPr>
+        <p:blipFill>
+          <a:blip r:embed="rId2"/>
+          <a:stretch>
+            <a:fillRect/>
+          </a:stretch>
+        </p:blipFill>
+        <p:spPr>
+          <a:xfrm>
+            <a:off x="517663" y="1630638"/>
+            <a:ext cx="9182100" cy="4219575"/>
+          </a:xfrm>
+          <a:prstGeom prst="rect">
+            <a:avLst/>
+          </a:prstGeom>
+        </p:spPr>
+      </p:pic>
+    </p:spTree>
+    <p:extLst>
+      <p:ext uri="{BB962C8B-B14F-4D97-AF65-F5344CB8AC3E}">
+        <p14:creationId xmlns:p14="http://schemas.microsoft.com/office/powerpoint/2010/main" val="526525166"/>
+      </p:ext>
+    </p:extLst>
+  </p:cSld>
+  <p:clrMapOvr>
+    <a:masterClrMapping/>
+  </p:clrMapOvr>
+</p:sld>
+</file>
+
+<file path=ppt/slides/slide33.xml><?xml version="1.0" encoding="utf-8"?>
+<p:sld xmlns:a="http://schemas.openxmlformats.org/drawingml/2006/main" xmlns:r="http://schemas.openxmlformats.org/officeDocument/2006/relationships" xmlns:p="http://schemas.openxmlformats.org/presentationml/2006/main">
+  <p:cSld>
+    <p:spTree>
+      <p:nvGrpSpPr>
+        <p:cNvPr id="1" name=""/>
+        <p:cNvGrpSpPr/>
+        <p:nvPr/>
+      </p:nvGrpSpPr>
+      <p:grpSpPr>
+        <a:xfrm>
+          <a:off x="0" y="0"/>
+          <a:ext cx="0" cy="0"/>
+          <a:chOff x="0" y="0"/>
+          <a:chExt cx="0" cy="0"/>
+        </a:xfrm>
+      </p:grpSpPr>
+      <p:sp>
+        <p:nvSpPr>
+          <p:cNvPr id="2" name="标题 1">
+            <a:extLst>
+              <a:ext uri="{FF2B5EF4-FFF2-40B4-BE49-F238E27FC236}">
+                <a16:creationId xmlns:a16="http://schemas.microsoft.com/office/drawing/2014/main" id="{A7926F99-C7FE-9763-4B13-9379EF2A7BFE}"/>
+              </a:ext>
+            </a:extLst>
+          </p:cNvPr>
+          <p:cNvSpPr>
+            <a:spLocks noGrp="1"/>
+          </p:cNvSpPr>
+          <p:nvPr>
+            <p:ph type="title"/>
+          </p:nvPr>
+        </p:nvSpPr>
+        <p:spPr/>
+        <p:txBody>
+          <a:bodyPr/>
+          <a:lstStyle/>
+          <a:p>
+            <a:r>
+              <a:rPr lang="en-US" altLang="zh-CN" dirty="0"/>
+              <a:t>【</a:t>
+            </a:r>
+            <a:r>
+              <a:rPr lang="zh-CN" altLang="en-US" dirty="0"/>
+              <a:t>补充</a:t>
+            </a:r>
+            <a:r>
+              <a:rPr lang="en-US" altLang="zh-CN" dirty="0"/>
+              <a:t>】xv6</a:t>
+            </a:r>
+            <a:r>
+              <a:rPr lang="zh-CN" altLang="en-US" dirty="0"/>
+              <a:t>中进程相关数据结构</a:t>
+            </a:r>
+          </a:p>
+        </p:txBody>
+      </p:sp>
+      <p:sp>
+        <p:nvSpPr>
+          <p:cNvPr id="3" name="内容占位符 2">
+            <a:extLst>
+              <a:ext uri="{FF2B5EF4-FFF2-40B4-BE49-F238E27FC236}">
+                <a16:creationId xmlns:a16="http://schemas.microsoft.com/office/drawing/2014/main" id="{B289CED8-D0DA-60F8-7A34-A1117E38065A}"/>
+              </a:ext>
+            </a:extLst>
+          </p:cNvPr>
+          <p:cNvSpPr>
+            <a:spLocks noGrp="1"/>
+          </p:cNvSpPr>
+          <p:nvPr>
+            <p:ph idx="1"/>
+          </p:nvPr>
+        </p:nvSpPr>
+        <p:spPr/>
+        <p:txBody>
+          <a:bodyPr/>
+          <a:lstStyle/>
+          <a:p>
+            <a:r>
+              <a:rPr lang="en-US" altLang="zh-CN" dirty="0"/>
+              <a:t>struct proc</a:t>
+            </a:r>
+            <a:r>
+              <a:rPr lang="zh-CN" altLang="en-US" dirty="0"/>
+              <a:t>结构体：用于保存进程状态</a:t>
+            </a:r>
+          </a:p>
+        </p:txBody>
+      </p:sp>
+      <p:sp>
+        <p:nvSpPr>
+          <p:cNvPr id="4" name="灯片编号占位符 3">
+            <a:extLst>
+              <a:ext uri="{FF2B5EF4-FFF2-40B4-BE49-F238E27FC236}">
+                <a16:creationId xmlns:a16="http://schemas.microsoft.com/office/drawing/2014/main" id="{2EEB720B-F91B-5685-786E-5D1B474AF9B3}"/>
+              </a:ext>
+            </a:extLst>
+          </p:cNvPr>
+          <p:cNvSpPr>
+            <a:spLocks noGrp="1"/>
+          </p:cNvSpPr>
+          <p:nvPr>
+            <p:ph type="sldNum" sz="quarter" idx="12"/>
+          </p:nvPr>
+        </p:nvSpPr>
+        <p:spPr/>
+        <p:txBody>
+          <a:bodyPr/>
+          <a:lstStyle/>
+          <a:p>
+            <a:r>
+              <a:rPr lang="zh-CN" altLang="en-US"/>
+              <a:t>计算机操作系统                     </a:t>
+            </a:r>
+            <a:fld id="{2109AC4C-C6B9-4211-8A17-43C623583010}" type="slidenum">
+              <a:rPr lang="zh-CN" altLang="en-US" smtClean="0"/>
+              <a:pPr/>
+              <a:t>33</a:t>
+            </a:fld>
+            <a:r>
+              <a:rPr lang="en-US" altLang="zh-CN"/>
+              <a:t>/100</a:t>
+            </a:r>
+            <a:endParaRPr lang="zh-CN" altLang="en-US" dirty="0"/>
+          </a:p>
+        </p:txBody>
+      </p:sp>
+      <p:pic>
+        <p:nvPicPr>
+          <p:cNvPr id="6" name="图片 5">
+            <a:extLst>
+              <a:ext uri="{FF2B5EF4-FFF2-40B4-BE49-F238E27FC236}">
+                <a16:creationId xmlns:a16="http://schemas.microsoft.com/office/drawing/2014/main" id="{1FDB2312-E66C-F1A8-E27F-2B43546A0CD1}"/>
+              </a:ext>
+            </a:extLst>
+          </p:cNvPr>
+          <p:cNvPicPr>
+            <a:picLocks noChangeAspect="1"/>
+          </p:cNvPicPr>
+          <p:nvPr/>
+        </p:nvPicPr>
+        <p:blipFill>
+          <a:blip r:embed="rId2"/>
+          <a:stretch>
+            <a:fillRect/>
+          </a:stretch>
+        </p:blipFill>
+        <p:spPr>
+          <a:xfrm>
+            <a:off x="585869" y="1513120"/>
+            <a:ext cx="7648161" cy="4739932"/>
+          </a:xfrm>
+          <a:prstGeom prst="rect">
+            <a:avLst/>
+          </a:prstGeom>
+        </p:spPr>
+      </p:pic>
+    </p:spTree>
+    <p:extLst>
+      <p:ext uri="{BB962C8B-B14F-4D97-AF65-F5344CB8AC3E}">
+        <p14:creationId xmlns:p14="http://schemas.microsoft.com/office/powerpoint/2010/main" val="1130001329"/>
+      </p:ext>
+    </p:extLst>
+  </p:cSld>
+  <p:clrMapOvr>
+    <a:masterClrMapping/>
+  </p:clrMapOvr>
+</p:sld>
+</file>
+
+<file path=ppt/slides/slide34.xml><?xml version="1.0" encoding="utf-8"?>
+<p:sld xmlns:a="http://schemas.openxmlformats.org/drawingml/2006/main" xmlns:r="http://schemas.openxmlformats.org/officeDocument/2006/relationships" xmlns:p="http://schemas.openxmlformats.org/presentationml/2006/main">
+  <p:cSld>
+    <p:spTree>
+      <p:nvGrpSpPr>
+        <p:cNvPr id="1" name=""/>
+        <p:cNvGrpSpPr/>
+        <p:nvPr/>
+      </p:nvGrpSpPr>
+      <p:grpSpPr>
+        <a:xfrm>
+          <a:off x="0" y="0"/>
+          <a:ext cx="0" cy="0"/>
+          <a:chOff x="0" y="0"/>
+          <a:chExt cx="0" cy="0"/>
+        </a:xfrm>
+      </p:grpSpPr>
+      <p:sp>
+        <p:nvSpPr>
+          <p:cNvPr id="2" name="标题 1">
+            <a:extLst>
+              <a:ext uri="{FF2B5EF4-FFF2-40B4-BE49-F238E27FC236}">
+                <a16:creationId xmlns:a16="http://schemas.microsoft.com/office/drawing/2014/main" id="{8224762C-5FDB-F119-9716-FF9824884CE6}"/>
+              </a:ext>
+            </a:extLst>
+          </p:cNvPr>
+          <p:cNvSpPr>
+            <a:spLocks noGrp="1"/>
+          </p:cNvSpPr>
+          <p:nvPr>
+            <p:ph type="title"/>
+          </p:nvPr>
+        </p:nvSpPr>
+        <p:spPr/>
+        <p:txBody>
+          <a:bodyPr/>
+          <a:lstStyle/>
+          <a:p>
+            <a:r>
+              <a:rPr lang="en-US" altLang="zh-CN" dirty="0"/>
+              <a:t>【</a:t>
+            </a:r>
+            <a:r>
+              <a:rPr lang="zh-CN" altLang="en-US" dirty="0"/>
+              <a:t>补充</a:t>
+            </a:r>
+            <a:r>
+              <a:rPr lang="en-US" altLang="zh-CN" dirty="0"/>
+              <a:t>】xv6</a:t>
+            </a:r>
+            <a:r>
+              <a:rPr lang="zh-CN" altLang="en-US" dirty="0"/>
+              <a:t>中进程相关数据结构</a:t>
+            </a:r>
+          </a:p>
+        </p:txBody>
+      </p:sp>
+      <p:sp>
+        <p:nvSpPr>
+          <p:cNvPr id="3" name="内容占位符 2">
+            <a:extLst>
+              <a:ext uri="{FF2B5EF4-FFF2-40B4-BE49-F238E27FC236}">
+                <a16:creationId xmlns:a16="http://schemas.microsoft.com/office/drawing/2014/main" id="{1EADFC79-A808-5388-2754-97D8F40A66FB}"/>
+              </a:ext>
+            </a:extLst>
+          </p:cNvPr>
+          <p:cNvSpPr>
+            <a:spLocks noGrp="1"/>
+          </p:cNvSpPr>
+          <p:nvPr>
+            <p:ph idx="1"/>
+          </p:nvPr>
+        </p:nvSpPr>
+        <p:spPr/>
+        <p:txBody>
+          <a:bodyPr/>
+          <a:lstStyle/>
+          <a:p>
+            <a:r>
+              <a:rPr lang="zh-CN" altLang="en-US" dirty="0"/>
+              <a:t>进程切换时使用</a:t>
+            </a:r>
+            <a:r>
+              <a:rPr lang="en-US" altLang="zh-CN" dirty="0"/>
+              <a:t>context</a:t>
+            </a:r>
+            <a:r>
+              <a:rPr lang="zh-CN" altLang="en-US" dirty="0"/>
+              <a:t>来保存进程状态</a:t>
+            </a:r>
+            <a:r>
+              <a:rPr lang="en-US" altLang="zh-CN" dirty="0"/>
+              <a:t>scheduler()(</a:t>
+            </a:r>
+            <a:r>
+              <a:rPr lang="en-US" altLang="zh-CN" dirty="0" err="1"/>
+              <a:t>proc.c</a:t>
+            </a:r>
+            <a:r>
+              <a:rPr lang="en-US" altLang="zh-CN" dirty="0"/>
+              <a:t>)</a:t>
+            </a:r>
+            <a:endParaRPr lang="zh-CN" altLang="en-US" dirty="0"/>
+          </a:p>
+        </p:txBody>
+      </p:sp>
+      <p:sp>
+        <p:nvSpPr>
+          <p:cNvPr id="4" name="灯片编号占位符 3">
+            <a:extLst>
+              <a:ext uri="{FF2B5EF4-FFF2-40B4-BE49-F238E27FC236}">
+                <a16:creationId xmlns:a16="http://schemas.microsoft.com/office/drawing/2014/main" id="{C0B9F6ED-01DB-9D38-F9EB-01D7E64DE19F}"/>
+              </a:ext>
+            </a:extLst>
+          </p:cNvPr>
+          <p:cNvSpPr>
+            <a:spLocks noGrp="1"/>
+          </p:cNvSpPr>
+          <p:nvPr>
+            <p:ph type="sldNum" sz="quarter" idx="12"/>
+          </p:nvPr>
+        </p:nvSpPr>
+        <p:spPr/>
+        <p:txBody>
+          <a:bodyPr/>
+          <a:lstStyle/>
+          <a:p>
+            <a:r>
+              <a:rPr lang="zh-CN" altLang="en-US"/>
+              <a:t>计算机操作系统                     </a:t>
+            </a:r>
+            <a:fld id="{2109AC4C-C6B9-4211-8A17-43C623583010}" type="slidenum">
+              <a:rPr lang="zh-CN" altLang="en-US" smtClean="0"/>
+              <a:pPr/>
+              <a:t>34</a:t>
+            </a:fld>
+            <a:r>
+              <a:rPr lang="en-US" altLang="zh-CN"/>
+              <a:t>/100</a:t>
+            </a:r>
+            <a:endParaRPr lang="zh-CN" altLang="en-US" dirty="0"/>
+          </a:p>
+        </p:txBody>
+      </p:sp>
+      <p:pic>
+        <p:nvPicPr>
+          <p:cNvPr id="6" name="图片 5">
+            <a:extLst>
+              <a:ext uri="{FF2B5EF4-FFF2-40B4-BE49-F238E27FC236}">
+                <a16:creationId xmlns:a16="http://schemas.microsoft.com/office/drawing/2014/main" id="{188DA299-E02B-CB89-5E55-D2B3D6E2F889}"/>
+              </a:ext>
+            </a:extLst>
+          </p:cNvPr>
+          <p:cNvPicPr>
+            <a:picLocks noChangeAspect="1"/>
+          </p:cNvPicPr>
+          <p:nvPr/>
+        </p:nvPicPr>
+        <p:blipFill>
+          <a:blip r:embed="rId2"/>
+          <a:stretch>
+            <a:fillRect/>
+          </a:stretch>
+        </p:blipFill>
+        <p:spPr>
+          <a:xfrm>
+            <a:off x="637375" y="1492690"/>
+            <a:ext cx="5989437" cy="5174974"/>
+          </a:xfrm>
+          <a:prstGeom prst="rect">
+            <a:avLst/>
+          </a:prstGeom>
+        </p:spPr>
+      </p:pic>
+    </p:spTree>
+    <p:extLst>
+      <p:ext uri="{BB962C8B-B14F-4D97-AF65-F5344CB8AC3E}">
+        <p14:creationId xmlns:p14="http://schemas.microsoft.com/office/powerpoint/2010/main" val="795444242"/>
       </p:ext>
     </p:extLst>
   </p:cSld>
